--- a/Entity Framework 201-301.pptx
+++ b/Entity Framework 201-301.pptx
@@ -128,6 +128,10 @@
 </p:presentation>
 </file>
 
+<file path=ppt/revisionInfo.xml><?xml version="1.0" encoding="utf-8"?>
+<p1510:revInfo xmlns:a="http://schemas.openxmlformats.org/drawingml/2006/main" xmlns:r="http://schemas.openxmlformats.org/officeDocument/2006/relationships" xmlns:p1510="http://schemas.microsoft.com/office/powerpoint/2015/10/main"/>
+</file>
+
 <file path=ppt/notesMasters/notesMaster1.xml><?xml version="1.0" encoding="utf-8"?>
 <p:notesMaster xmlns:a="http://schemas.openxmlformats.org/drawingml/2006/main" xmlns:r="http://schemas.openxmlformats.org/officeDocument/2006/relationships" xmlns:p="http://schemas.openxmlformats.org/presentationml/2006/main">
   <p:cSld>
@@ -210,7 +214,7 @@
           <a:p>
             <a:fld id="{F7274686-0D8B-4D05-80AE-B20FD31D7D6D}" type="datetimeFigureOut">
               <a:rPr lang="en-US" smtClean="0"/>
-              <a:t>5/13/2017</a:t>
+              <a:t>5/17/2017</a:t>
             </a:fld>
             <a:endParaRPr lang="en-US"/>
           </a:p>
@@ -274,38 +278,37 @@
           <a:p>
             <a:pPr lvl="0"/>
             <a:r>
-              <a:rPr lang="en-US" smtClean="0"/>
+              <a:rPr lang="en-US"/>
               <a:t>Edit Master text styles</a:t>
             </a:r>
           </a:p>
           <a:p>
             <a:pPr lvl="1"/>
             <a:r>
-              <a:rPr lang="en-US" smtClean="0"/>
+              <a:rPr lang="en-US"/>
               <a:t>Second level</a:t>
             </a:r>
           </a:p>
           <a:p>
             <a:pPr lvl="2"/>
             <a:r>
-              <a:rPr lang="en-US" smtClean="0"/>
+              <a:rPr lang="en-US"/>
               <a:t>Third level</a:t>
             </a:r>
           </a:p>
           <a:p>
             <a:pPr lvl="3"/>
             <a:r>
-              <a:rPr lang="en-US" smtClean="0"/>
+              <a:rPr lang="en-US"/>
               <a:t>Fourth level</a:t>
             </a:r>
           </a:p>
           <a:p>
             <a:pPr lvl="4"/>
             <a:r>
-              <a:rPr lang="en-US" smtClean="0"/>
+              <a:rPr lang="en-US"/>
               <a:t>Fifth level</a:t>
             </a:r>
-            <a:endParaRPr lang="en-US"/>
           </a:p>
         </p:txBody>
       </p:sp>
@@ -604,7 +607,7 @@
           </a:lstStyle>
           <a:p>
             <a:r>
-              <a:rPr lang="en-US" smtClean="0"/>
+              <a:rPr lang="en-US"/>
               <a:t>Click to edit Master title style</a:t>
             </a:r>
             <a:endParaRPr lang="en-US" dirty="0"/>
@@ -724,7 +727,7 @@
           </a:lstStyle>
           <a:p>
             <a:r>
-              <a:rPr lang="en-US" smtClean="0"/>
+              <a:rPr lang="en-US"/>
               <a:t>Click to edit Master subtitle style</a:t>
             </a:r>
             <a:endParaRPr lang="en-US" dirty="0"/>
@@ -748,7 +751,7 @@
           <a:p>
             <a:fld id="{4AAD347D-5ACD-4C99-B74B-A9C85AD731AF}" type="datetimeFigureOut">
               <a:rPr lang="en-US" dirty="0"/>
-              <a:t>5/13/2017</a:t>
+              <a:t>5/17/2017</a:t>
             </a:fld>
             <a:endParaRPr lang="en-US" dirty="0"/>
           </a:p>
@@ -848,7 +851,7 @@
           </a:lstStyle>
           <a:p>
             <a:r>
-              <a:rPr lang="en-US" smtClean="0"/>
+              <a:rPr lang="en-US"/>
               <a:t>Click to edit Master title style</a:t>
             </a:r>
             <a:endParaRPr lang="en-US" dirty="0"/>
@@ -927,7 +930,7 @@
           </a:lstStyle>
           <a:p>
             <a:r>
-              <a:rPr lang="en-US" smtClean="0"/>
+              <a:rPr lang="en-US"/>
               <a:t>Click icon to add picture</a:t>
             </a:r>
             <a:endParaRPr lang="en-US" dirty="0"/>
@@ -995,7 +998,7 @@
           <a:p>
             <a:pPr lvl="0"/>
             <a:r>
-              <a:rPr lang="en-US" smtClean="0"/>
+              <a:rPr lang="en-US"/>
               <a:t>Edit Master text styles</a:t>
             </a:r>
           </a:p>
@@ -1018,7 +1021,7 @@
           <a:p>
             <a:fld id="{4509A250-FF31-4206-8172-F9D3106AACB1}" type="datetimeFigureOut">
               <a:rPr lang="en-US" dirty="0"/>
-              <a:t>5/13/2017</a:t>
+              <a:t>5/17/2017</a:t>
             </a:fld>
             <a:endParaRPr lang="en-US" dirty="0"/>
           </a:p>
@@ -1116,7 +1119,7 @@
           </a:lstStyle>
           <a:p>
             <a:r>
-              <a:rPr lang="en-US" smtClean="0"/>
+              <a:rPr lang="en-US"/>
               <a:t>Click to edit Master title style</a:t>
             </a:r>
             <a:endParaRPr lang="en-US" dirty="0"/>
@@ -1184,7 +1187,7 @@
           <a:p>
             <a:pPr lvl="0"/>
             <a:r>
-              <a:rPr lang="en-US" smtClean="0"/>
+              <a:rPr lang="en-US"/>
               <a:t>Edit Master text styles</a:t>
             </a:r>
           </a:p>
@@ -1207,7 +1210,7 @@
           <a:p>
             <a:fld id="{4509A250-FF31-4206-8172-F9D3106AACB1}" type="datetimeFigureOut">
               <a:rPr lang="en-US" dirty="0"/>
-              <a:t>5/13/2017</a:t>
+              <a:t>5/17/2017</a:t>
             </a:fld>
             <a:endParaRPr lang="en-US" dirty="0"/>
           </a:p>
@@ -1305,7 +1308,7 @@
           </a:lstStyle>
           <a:p>
             <a:r>
-              <a:rPr lang="en-US" smtClean="0"/>
+              <a:rPr lang="en-US"/>
               <a:t>Click to edit Master title style</a:t>
             </a:r>
             <a:endParaRPr lang="en-US" dirty="0"/>
@@ -1385,7 +1388,7 @@
               <a:buNone/>
             </a:pPr>
             <a:r>
-              <a:rPr lang="en-US" smtClean="0"/>
+              <a:rPr lang="en-US"/>
               <a:t>Edit Master text styles</a:t>
             </a:r>
           </a:p>
@@ -1452,7 +1455,7 @@
           <a:p>
             <a:pPr lvl="0"/>
             <a:r>
-              <a:rPr lang="en-US" smtClean="0"/>
+              <a:rPr lang="en-US"/>
               <a:t>Edit Master text styles</a:t>
             </a:r>
           </a:p>
@@ -1475,7 +1478,7 @@
           <a:p>
             <a:fld id="{4509A250-FF31-4206-8172-F9D3106AACB1}" type="datetimeFigureOut">
               <a:rPr lang="en-US" dirty="0"/>
-              <a:t>5/13/2017</a:t>
+              <a:t>5/17/2017</a:t>
             </a:fld>
             <a:endParaRPr lang="en-US" dirty="0"/>
           </a:p>
@@ -1667,7 +1670,7 @@
           </a:lstStyle>
           <a:p>
             <a:r>
-              <a:rPr lang="en-US" smtClean="0"/>
+              <a:rPr lang="en-US"/>
               <a:t>Click to edit Master title style</a:t>
             </a:r>
             <a:endParaRPr lang="en-US" dirty="0"/>
@@ -1788,7 +1791,7 @@
           <a:p>
             <a:pPr lvl="0"/>
             <a:r>
-              <a:rPr lang="en-US" smtClean="0"/>
+              <a:rPr lang="en-US"/>
               <a:t>Edit Master text styles</a:t>
             </a:r>
           </a:p>
@@ -1811,7 +1814,7 @@
           <a:p>
             <a:fld id="{4509A250-FF31-4206-8172-F9D3106AACB1}" type="datetimeFigureOut">
               <a:rPr lang="en-US" dirty="0"/>
-              <a:t>5/13/2017</a:t>
+              <a:t>5/17/2017</a:t>
             </a:fld>
             <a:endParaRPr lang="en-US" dirty="0"/>
           </a:p>
@@ -1904,7 +1907,7 @@
           </a:lstStyle>
           <a:p>
             <a:r>
-              <a:rPr lang="en-US" smtClean="0"/>
+              <a:rPr lang="en-US"/>
               <a:t>Click to edit Master title style</a:t>
             </a:r>
             <a:endParaRPr lang="en-US" dirty="0"/>
@@ -1979,7 +1982,7 @@
           <a:p>
             <a:pPr lvl="0"/>
             <a:r>
-              <a:rPr lang="en-US" smtClean="0"/>
+              <a:rPr lang="en-US"/>
               <a:t>Edit Master text styles</a:t>
             </a:r>
           </a:p>
@@ -2046,7 +2049,7 @@
           <a:p>
             <a:pPr lvl="0"/>
             <a:r>
-              <a:rPr lang="en-US" smtClean="0"/>
+              <a:rPr lang="en-US"/>
               <a:t>Edit Master text styles</a:t>
             </a:r>
           </a:p>
@@ -2120,7 +2123,7 @@
           <a:p>
             <a:pPr lvl="0"/>
             <a:r>
-              <a:rPr lang="en-US" smtClean="0"/>
+              <a:rPr lang="en-US"/>
               <a:t>Edit Master text styles</a:t>
             </a:r>
           </a:p>
@@ -2187,7 +2190,7 @@
           <a:p>
             <a:pPr lvl="0"/>
             <a:r>
-              <a:rPr lang="en-US" smtClean="0"/>
+              <a:rPr lang="en-US"/>
               <a:t>Edit Master text styles</a:t>
             </a:r>
           </a:p>
@@ -2261,7 +2264,7 @@
           <a:p>
             <a:pPr lvl="0"/>
             <a:r>
-              <a:rPr lang="en-US" smtClean="0"/>
+              <a:rPr lang="en-US"/>
               <a:t>Edit Master text styles</a:t>
             </a:r>
           </a:p>
@@ -2328,7 +2331,7 @@
           <a:p>
             <a:pPr lvl="0"/>
             <a:r>
-              <a:rPr lang="en-US" smtClean="0"/>
+              <a:rPr lang="en-US"/>
               <a:t>Edit Master text styles</a:t>
             </a:r>
           </a:p>
@@ -2429,7 +2432,7 @@
           <a:p>
             <a:fld id="{4509A250-FF31-4206-8172-F9D3106AACB1}" type="datetimeFigureOut">
               <a:rPr lang="en-US" dirty="0"/>
-              <a:t>5/13/2017</a:t>
+              <a:t>5/17/2017</a:t>
             </a:fld>
             <a:endParaRPr lang="en-US" dirty="0"/>
           </a:p>
@@ -2522,7 +2525,7 @@
           </a:lstStyle>
           <a:p>
             <a:r>
-              <a:rPr lang="en-US" smtClean="0"/>
+              <a:rPr lang="en-US"/>
               <a:t>Click to edit Master title style</a:t>
             </a:r>
             <a:endParaRPr lang="en-US" dirty="0"/>
@@ -2597,7 +2600,7 @@
           <a:p>
             <a:pPr lvl="0"/>
             <a:r>
-              <a:rPr lang="en-US" smtClean="0"/>
+              <a:rPr lang="en-US"/>
               <a:t>Edit Master text styles</a:t>
             </a:r>
           </a:p>
@@ -2675,7 +2678,7 @@
           </a:lstStyle>
           <a:p>
             <a:r>
-              <a:rPr lang="en-US" smtClean="0"/>
+              <a:rPr lang="en-US"/>
               <a:t>Click icon to add picture</a:t>
             </a:r>
             <a:endParaRPr lang="en-US" dirty="0"/>
@@ -2743,7 +2746,7 @@
           <a:p>
             <a:pPr lvl="0"/>
             <a:r>
-              <a:rPr lang="en-US" smtClean="0"/>
+              <a:rPr lang="en-US"/>
               <a:t>Edit Master text styles</a:t>
             </a:r>
           </a:p>
@@ -2817,7 +2820,7 @@
           <a:p>
             <a:pPr lvl="0"/>
             <a:r>
-              <a:rPr lang="en-US" smtClean="0"/>
+              <a:rPr lang="en-US"/>
               <a:t>Edit Master text styles</a:t>
             </a:r>
           </a:p>
@@ -2895,7 +2898,7 @@
           </a:lstStyle>
           <a:p>
             <a:r>
-              <a:rPr lang="en-US" smtClean="0"/>
+              <a:rPr lang="en-US"/>
               <a:t>Click icon to add picture</a:t>
             </a:r>
             <a:endParaRPr lang="en-US" dirty="0"/>
@@ -2963,7 +2966,7 @@
           <a:p>
             <a:pPr lvl="0"/>
             <a:r>
-              <a:rPr lang="en-US" smtClean="0"/>
+              <a:rPr lang="en-US"/>
               <a:t>Edit Master text styles</a:t>
             </a:r>
           </a:p>
@@ -3037,7 +3040,7 @@
           <a:p>
             <a:pPr lvl="0"/>
             <a:r>
-              <a:rPr lang="en-US" smtClean="0"/>
+              <a:rPr lang="en-US"/>
               <a:t>Edit Master text styles</a:t>
             </a:r>
           </a:p>
@@ -3115,7 +3118,7 @@
           </a:lstStyle>
           <a:p>
             <a:r>
-              <a:rPr lang="en-US" smtClean="0"/>
+              <a:rPr lang="en-US"/>
               <a:t>Click icon to add picture</a:t>
             </a:r>
             <a:endParaRPr lang="en-US" dirty="0"/>
@@ -3183,7 +3186,7 @@
           <a:p>
             <a:pPr lvl="0"/>
             <a:r>
-              <a:rPr lang="en-US" smtClean="0"/>
+              <a:rPr lang="en-US"/>
               <a:t>Edit Master text styles</a:t>
             </a:r>
           </a:p>
@@ -3284,7 +3287,7 @@
           <a:p>
             <a:fld id="{4509A250-FF31-4206-8172-F9D3106AACB1}" type="datetimeFigureOut">
               <a:rPr lang="en-US" dirty="0"/>
-              <a:t>5/13/2017</a:t>
+              <a:t>5/17/2017</a:t>
             </a:fld>
             <a:endParaRPr lang="en-US" dirty="0"/>
           </a:p>
@@ -3373,7 +3376,7 @@
           <a:lstStyle/>
           <a:p>
             <a:r>
-              <a:rPr lang="en-US" smtClean="0"/>
+              <a:rPr lang="en-US"/>
               <a:t>Click to edit Master title style</a:t>
             </a:r>
             <a:endParaRPr lang="en-US" dirty="0"/>
@@ -3397,35 +3400,35 @@
           <a:p>
             <a:pPr lvl="0"/>
             <a:r>
-              <a:rPr lang="en-US" smtClean="0"/>
+              <a:rPr lang="en-US"/>
               <a:t>Edit Master text styles</a:t>
             </a:r>
           </a:p>
           <a:p>
             <a:pPr lvl="1"/>
             <a:r>
-              <a:rPr lang="en-US" smtClean="0"/>
+              <a:rPr lang="en-US"/>
               <a:t>Second level</a:t>
             </a:r>
           </a:p>
           <a:p>
             <a:pPr lvl="2"/>
             <a:r>
-              <a:rPr lang="en-US" smtClean="0"/>
+              <a:rPr lang="en-US"/>
               <a:t>Third level</a:t>
             </a:r>
           </a:p>
           <a:p>
             <a:pPr lvl="3"/>
             <a:r>
-              <a:rPr lang="en-US" smtClean="0"/>
+              <a:rPr lang="en-US"/>
               <a:t>Fourth level</a:t>
             </a:r>
           </a:p>
           <a:p>
             <a:pPr lvl="4"/>
             <a:r>
-              <a:rPr lang="en-US" smtClean="0"/>
+              <a:rPr lang="en-US"/>
               <a:t>Fifth level</a:t>
             </a:r>
             <a:endParaRPr lang="en-US" dirty="0"/>
@@ -3449,7 +3452,7 @@
           <a:p>
             <a:fld id="{4509A250-FF31-4206-8172-F9D3106AACB1}" type="datetimeFigureOut">
               <a:rPr lang="en-US" dirty="0"/>
-              <a:t>5/13/2017</a:t>
+              <a:t>5/17/2017</a:t>
             </a:fld>
             <a:endParaRPr lang="en-US" dirty="0"/>
           </a:p>
@@ -3543,7 +3546,7 @@
           <a:lstStyle/>
           <a:p>
             <a:r>
-              <a:rPr lang="en-US" smtClean="0"/>
+              <a:rPr lang="en-US"/>
               <a:t>Click to edit Master title style</a:t>
             </a:r>
             <a:endParaRPr lang="en-US" dirty="0"/>
@@ -3572,35 +3575,35 @@
           <a:p>
             <a:pPr lvl="0"/>
             <a:r>
-              <a:rPr lang="en-US" smtClean="0"/>
+              <a:rPr lang="en-US"/>
               <a:t>Edit Master text styles</a:t>
             </a:r>
           </a:p>
           <a:p>
             <a:pPr lvl="1"/>
             <a:r>
-              <a:rPr lang="en-US" smtClean="0"/>
+              <a:rPr lang="en-US"/>
               <a:t>Second level</a:t>
             </a:r>
           </a:p>
           <a:p>
             <a:pPr lvl="2"/>
             <a:r>
-              <a:rPr lang="en-US" smtClean="0"/>
+              <a:rPr lang="en-US"/>
               <a:t>Third level</a:t>
             </a:r>
           </a:p>
           <a:p>
             <a:pPr lvl="3"/>
             <a:r>
-              <a:rPr lang="en-US" smtClean="0"/>
+              <a:rPr lang="en-US"/>
               <a:t>Fourth level</a:t>
             </a:r>
           </a:p>
           <a:p>
             <a:pPr lvl="4"/>
             <a:r>
-              <a:rPr lang="en-US" smtClean="0"/>
+              <a:rPr lang="en-US"/>
               <a:t>Fifth level</a:t>
             </a:r>
             <a:endParaRPr lang="en-US" dirty="0"/>
@@ -3624,7 +3627,7 @@
           <a:p>
             <a:fld id="{4509A250-FF31-4206-8172-F9D3106AACB1}" type="datetimeFigureOut">
               <a:rPr lang="en-US" dirty="0"/>
-              <a:t>5/13/2017</a:t>
+              <a:t>5/17/2017</a:t>
             </a:fld>
             <a:endParaRPr lang="en-US" dirty="0"/>
           </a:p>
@@ -3713,7 +3716,7 @@
           <a:lstStyle/>
           <a:p>
             <a:r>
-              <a:rPr lang="en-US" smtClean="0"/>
+              <a:rPr lang="en-US"/>
               <a:t>Click to edit Master title style</a:t>
             </a:r>
             <a:endParaRPr lang="en-US" dirty="0"/>
@@ -3737,35 +3740,35 @@
           <a:p>
             <a:pPr lvl="0"/>
             <a:r>
-              <a:rPr lang="en-US" smtClean="0"/>
+              <a:rPr lang="en-US"/>
               <a:t>Edit Master text styles</a:t>
             </a:r>
           </a:p>
           <a:p>
             <a:pPr lvl="1"/>
             <a:r>
-              <a:rPr lang="en-US" smtClean="0"/>
+              <a:rPr lang="en-US"/>
               <a:t>Second level</a:t>
             </a:r>
           </a:p>
           <a:p>
             <a:pPr lvl="2"/>
             <a:r>
-              <a:rPr lang="en-US" smtClean="0"/>
+              <a:rPr lang="en-US"/>
               <a:t>Third level</a:t>
             </a:r>
           </a:p>
           <a:p>
             <a:pPr lvl="3"/>
             <a:r>
-              <a:rPr lang="en-US" smtClean="0"/>
+              <a:rPr lang="en-US"/>
               <a:t>Fourth level</a:t>
             </a:r>
           </a:p>
           <a:p>
             <a:pPr lvl="4"/>
             <a:r>
-              <a:rPr lang="en-US" smtClean="0"/>
+              <a:rPr lang="en-US"/>
               <a:t>Fifth level</a:t>
             </a:r>
             <a:endParaRPr lang="en-US" dirty="0"/>
@@ -3789,7 +3792,7 @@
           <a:p>
             <a:fld id="{4509A250-FF31-4206-8172-F9D3106AACB1}" type="datetimeFigureOut">
               <a:rPr lang="en-US" dirty="0"/>
-              <a:t>5/13/2017</a:t>
+              <a:t>5/17/2017</a:t>
             </a:fld>
             <a:endParaRPr lang="en-US" dirty="0"/>
           </a:p>
@@ -3887,7 +3890,7 @@
           </a:lstStyle>
           <a:p>
             <a:r>
-              <a:rPr lang="en-US" smtClean="0"/>
+              <a:rPr lang="en-US"/>
               <a:t>Click to edit Master title style</a:t>
             </a:r>
             <a:endParaRPr lang="en-US" dirty="0"/>
@@ -4008,7 +4011,7 @@
           <a:p>
             <a:pPr lvl="0"/>
             <a:r>
-              <a:rPr lang="en-US" smtClean="0"/>
+              <a:rPr lang="en-US"/>
               <a:t>Edit Master text styles</a:t>
             </a:r>
           </a:p>
@@ -4031,7 +4034,7 @@
           <a:p>
             <a:fld id="{9796027F-7875-4030-9381-8BD8C4F21935}" type="datetimeFigureOut">
               <a:rPr lang="en-US" dirty="0"/>
-              <a:t>5/13/2017</a:t>
+              <a:t>5/17/2017</a:t>
             </a:fld>
             <a:endParaRPr lang="en-US" dirty="0"/>
           </a:p>
@@ -4120,7 +4123,7 @@
           <a:lstStyle/>
           <a:p>
             <a:r>
-              <a:rPr lang="en-US" smtClean="0"/>
+              <a:rPr lang="en-US"/>
               <a:t>Click to edit Master title style</a:t>
             </a:r>
             <a:endParaRPr lang="en-US" dirty="0"/>
@@ -4179,35 +4182,35 @@
           <a:p>
             <a:pPr lvl="0"/>
             <a:r>
-              <a:rPr lang="en-US" smtClean="0"/>
+              <a:rPr lang="en-US"/>
               <a:t>Edit Master text styles</a:t>
             </a:r>
           </a:p>
           <a:p>
             <a:pPr lvl="1"/>
             <a:r>
-              <a:rPr lang="en-US" smtClean="0"/>
+              <a:rPr lang="en-US"/>
               <a:t>Second level</a:t>
             </a:r>
           </a:p>
           <a:p>
             <a:pPr lvl="2"/>
             <a:r>
-              <a:rPr lang="en-US" smtClean="0"/>
+              <a:rPr lang="en-US"/>
               <a:t>Third level</a:t>
             </a:r>
           </a:p>
           <a:p>
             <a:pPr lvl="3"/>
             <a:r>
-              <a:rPr lang="en-US" smtClean="0"/>
+              <a:rPr lang="en-US"/>
               <a:t>Fourth level</a:t>
             </a:r>
           </a:p>
           <a:p>
             <a:pPr lvl="4"/>
             <a:r>
-              <a:rPr lang="en-US" smtClean="0"/>
+              <a:rPr lang="en-US"/>
               <a:t>Fifth level</a:t>
             </a:r>
             <a:endParaRPr lang="en-US" dirty="0"/>
@@ -4266,35 +4269,35 @@
           <a:p>
             <a:pPr lvl="0"/>
             <a:r>
-              <a:rPr lang="en-US" smtClean="0"/>
+              <a:rPr lang="en-US"/>
               <a:t>Edit Master text styles</a:t>
             </a:r>
           </a:p>
           <a:p>
             <a:pPr lvl="1"/>
             <a:r>
-              <a:rPr lang="en-US" smtClean="0"/>
+              <a:rPr lang="en-US"/>
               <a:t>Second level</a:t>
             </a:r>
           </a:p>
           <a:p>
             <a:pPr lvl="2"/>
             <a:r>
-              <a:rPr lang="en-US" smtClean="0"/>
+              <a:rPr lang="en-US"/>
               <a:t>Third level</a:t>
             </a:r>
           </a:p>
           <a:p>
             <a:pPr lvl="3"/>
             <a:r>
-              <a:rPr lang="en-US" smtClean="0"/>
+              <a:rPr lang="en-US"/>
               <a:t>Fourth level</a:t>
             </a:r>
           </a:p>
           <a:p>
             <a:pPr lvl="4"/>
             <a:r>
-              <a:rPr lang="en-US" smtClean="0"/>
+              <a:rPr lang="en-US"/>
               <a:t>Fifth level</a:t>
             </a:r>
             <a:endParaRPr lang="en-US" dirty="0"/>
@@ -4318,7 +4321,7 @@
           <a:p>
             <a:fld id="{9796027F-7875-4030-9381-8BD8C4F21935}" type="datetimeFigureOut">
               <a:rPr lang="en-US" dirty="0"/>
-              <a:t>5/13/2017</a:t>
+              <a:t>5/17/2017</a:t>
             </a:fld>
             <a:endParaRPr lang="en-US" dirty="0"/>
           </a:p>
@@ -4411,7 +4414,7 @@
           </a:lstStyle>
           <a:p>
             <a:r>
-              <a:rPr lang="en-US" smtClean="0"/>
+              <a:rPr lang="en-US"/>
               <a:t>Click to edit Master title style</a:t>
             </a:r>
             <a:endParaRPr lang="en-US" dirty="0"/>
@@ -4486,7 +4489,7 @@
           <a:p>
             <a:pPr lvl="0"/>
             <a:r>
-              <a:rPr lang="en-US" smtClean="0"/>
+              <a:rPr lang="en-US"/>
               <a:t>Edit Master text styles</a:t>
             </a:r>
           </a:p>
@@ -4544,35 +4547,35 @@
           <a:p>
             <a:pPr lvl="0"/>
             <a:r>
-              <a:rPr lang="en-US" smtClean="0"/>
+              <a:rPr lang="en-US"/>
               <a:t>Edit Master text styles</a:t>
             </a:r>
           </a:p>
           <a:p>
             <a:pPr lvl="1"/>
             <a:r>
-              <a:rPr lang="en-US" smtClean="0"/>
+              <a:rPr lang="en-US"/>
               <a:t>Second level</a:t>
             </a:r>
           </a:p>
           <a:p>
             <a:pPr lvl="2"/>
             <a:r>
-              <a:rPr lang="en-US" smtClean="0"/>
+              <a:rPr lang="en-US"/>
               <a:t>Third level</a:t>
             </a:r>
           </a:p>
           <a:p>
             <a:pPr lvl="3"/>
             <a:r>
-              <a:rPr lang="en-US" smtClean="0"/>
+              <a:rPr lang="en-US"/>
               <a:t>Fourth level</a:t>
             </a:r>
           </a:p>
           <a:p>
             <a:pPr lvl="4"/>
             <a:r>
-              <a:rPr lang="en-US" smtClean="0"/>
+              <a:rPr lang="en-US"/>
               <a:t>Fifth level</a:t>
             </a:r>
             <a:endParaRPr lang="en-US" dirty="0"/>
@@ -4647,7 +4650,7 @@
           <a:p>
             <a:pPr lvl="0"/>
             <a:r>
-              <a:rPr lang="en-US" smtClean="0"/>
+              <a:rPr lang="en-US"/>
               <a:t>Edit Master text styles</a:t>
             </a:r>
           </a:p>
@@ -4705,35 +4708,35 @@
           <a:p>
             <a:pPr lvl="0"/>
             <a:r>
-              <a:rPr lang="en-US" smtClean="0"/>
+              <a:rPr lang="en-US"/>
               <a:t>Edit Master text styles</a:t>
             </a:r>
           </a:p>
           <a:p>
             <a:pPr lvl="1"/>
             <a:r>
-              <a:rPr lang="en-US" smtClean="0"/>
+              <a:rPr lang="en-US"/>
               <a:t>Second level</a:t>
             </a:r>
           </a:p>
           <a:p>
             <a:pPr lvl="2"/>
             <a:r>
-              <a:rPr lang="en-US" smtClean="0"/>
+              <a:rPr lang="en-US"/>
               <a:t>Third level</a:t>
             </a:r>
           </a:p>
           <a:p>
             <a:pPr lvl="3"/>
             <a:r>
-              <a:rPr lang="en-US" smtClean="0"/>
+              <a:rPr lang="en-US"/>
               <a:t>Fourth level</a:t>
             </a:r>
           </a:p>
           <a:p>
             <a:pPr lvl="4"/>
             <a:r>
-              <a:rPr lang="en-US" smtClean="0"/>
+              <a:rPr lang="en-US"/>
               <a:t>Fifth level</a:t>
             </a:r>
             <a:endParaRPr lang="en-US" dirty="0"/>
@@ -4757,7 +4760,7 @@
           <a:p>
             <a:fld id="{9796027F-7875-4030-9381-8BD8C4F21935}" type="datetimeFigureOut">
               <a:rPr lang="en-US" dirty="0"/>
-              <a:t>5/13/2017</a:t>
+              <a:t>5/17/2017</a:t>
             </a:fld>
             <a:endParaRPr lang="en-US" dirty="0"/>
           </a:p>
@@ -4846,7 +4849,7 @@
           <a:lstStyle/>
           <a:p>
             <a:r>
-              <a:rPr lang="en-US" smtClean="0"/>
+              <a:rPr lang="en-US"/>
               <a:t>Click to edit Master title style</a:t>
             </a:r>
             <a:endParaRPr lang="en-US" dirty="0"/>
@@ -4870,7 +4873,7 @@
           <a:p>
             <a:fld id="{4509A250-FF31-4206-8172-F9D3106AACB1}" type="datetimeFigureOut">
               <a:rPr lang="en-US" dirty="0"/>
-              <a:t>5/13/2017</a:t>
+              <a:t>5/17/2017</a:t>
             </a:fld>
             <a:endParaRPr lang="en-US" dirty="0"/>
           </a:p>
@@ -4960,7 +4963,7 @@
           <a:p>
             <a:fld id="{4509A250-FF31-4206-8172-F9D3106AACB1}" type="datetimeFigureOut">
               <a:rPr lang="en-US" dirty="0"/>
-              <a:t>5/13/2017</a:t>
+              <a:t>5/17/2017</a:t>
             </a:fld>
             <a:endParaRPr lang="en-US" dirty="0"/>
           </a:p>
@@ -5058,7 +5061,7 @@
           </a:lstStyle>
           <a:p>
             <a:r>
-              <a:rPr lang="en-US" smtClean="0"/>
+              <a:rPr lang="en-US"/>
               <a:t>Click to edit Master title style</a:t>
             </a:r>
             <a:endParaRPr lang="en-US" dirty="0"/>
@@ -5117,35 +5120,35 @@
           <a:p>
             <a:pPr lvl="0"/>
             <a:r>
-              <a:rPr lang="en-US" smtClean="0"/>
+              <a:rPr lang="en-US"/>
               <a:t>Edit Master text styles</a:t>
             </a:r>
           </a:p>
           <a:p>
             <a:pPr lvl="1"/>
             <a:r>
-              <a:rPr lang="en-US" smtClean="0"/>
+              <a:rPr lang="en-US"/>
               <a:t>Second level</a:t>
             </a:r>
           </a:p>
           <a:p>
             <a:pPr lvl="2"/>
             <a:r>
-              <a:rPr lang="en-US" smtClean="0"/>
+              <a:rPr lang="en-US"/>
               <a:t>Third level</a:t>
             </a:r>
           </a:p>
           <a:p>
             <a:pPr lvl="3"/>
             <a:r>
-              <a:rPr lang="en-US" smtClean="0"/>
+              <a:rPr lang="en-US"/>
               <a:t>Fourth level</a:t>
             </a:r>
           </a:p>
           <a:p>
             <a:pPr lvl="4"/>
             <a:r>
-              <a:rPr lang="en-US" smtClean="0"/>
+              <a:rPr lang="en-US"/>
               <a:t>Fifth level</a:t>
             </a:r>
             <a:endParaRPr lang="en-US" dirty="0"/>
@@ -5211,7 +5214,7 @@
           <a:p>
             <a:pPr lvl="0"/>
             <a:r>
-              <a:rPr lang="en-US" smtClean="0"/>
+              <a:rPr lang="en-US"/>
               <a:t>Edit Master text styles</a:t>
             </a:r>
           </a:p>
@@ -5234,7 +5237,7 @@
           <a:p>
             <a:fld id="{4509A250-FF31-4206-8172-F9D3106AACB1}" type="datetimeFigureOut">
               <a:rPr lang="en-US" dirty="0"/>
-              <a:t>5/13/2017</a:t>
+              <a:t>5/17/2017</a:t>
             </a:fld>
             <a:endParaRPr lang="en-US" dirty="0"/>
           </a:p>
@@ -5334,7 +5337,7 @@
           </a:lstStyle>
           <a:p>
             <a:r>
-              <a:rPr lang="en-US" smtClean="0"/>
+              <a:rPr lang="en-US"/>
               <a:t>Click to edit Master title style</a:t>
             </a:r>
             <a:endParaRPr lang="en-US" dirty="0"/>
@@ -5413,7 +5416,7 @@
           </a:lstStyle>
           <a:p>
             <a:r>
-              <a:rPr lang="en-US" smtClean="0"/>
+              <a:rPr lang="en-US"/>
               <a:t>Click icon to add picture</a:t>
             </a:r>
             <a:endParaRPr lang="en-US" dirty="0"/>
@@ -5481,7 +5484,7 @@
           <a:p>
             <a:pPr lvl="0"/>
             <a:r>
-              <a:rPr lang="en-US" smtClean="0"/>
+              <a:rPr lang="en-US"/>
               <a:t>Edit Master text styles</a:t>
             </a:r>
           </a:p>
@@ -5504,7 +5507,7 @@
           <a:p>
             <a:fld id="{4509A250-FF31-4206-8172-F9D3106AACB1}" type="datetimeFigureOut">
               <a:rPr lang="en-US" dirty="0"/>
-              <a:t>5/13/2017</a:t>
+              <a:t>5/17/2017</a:t>
             </a:fld>
             <a:endParaRPr lang="en-US" dirty="0"/>
           </a:p>
@@ -5823,7 +5826,7 @@
           <a:lstStyle/>
           <a:p>
             <a:r>
-              <a:rPr lang="en-US" smtClean="0"/>
+              <a:rPr lang="en-US"/>
               <a:t>Click to edit Master title style</a:t>
             </a:r>
             <a:endParaRPr lang="en-US" dirty="0"/>
@@ -5857,35 +5860,35 @@
           <a:p>
             <a:pPr lvl="0"/>
             <a:r>
-              <a:rPr lang="en-US" smtClean="0"/>
+              <a:rPr lang="en-US"/>
               <a:t>Edit Master text styles</a:t>
             </a:r>
           </a:p>
           <a:p>
             <a:pPr lvl="1"/>
             <a:r>
-              <a:rPr lang="en-US" smtClean="0"/>
+              <a:rPr lang="en-US"/>
               <a:t>Second level</a:t>
             </a:r>
           </a:p>
           <a:p>
             <a:pPr lvl="2"/>
             <a:r>
-              <a:rPr lang="en-US" smtClean="0"/>
+              <a:rPr lang="en-US"/>
               <a:t>Third level</a:t>
             </a:r>
           </a:p>
           <a:p>
             <a:pPr lvl="3"/>
             <a:r>
-              <a:rPr lang="en-US" smtClean="0"/>
+              <a:rPr lang="en-US"/>
               <a:t>Fourth level</a:t>
             </a:r>
           </a:p>
           <a:p>
             <a:pPr lvl="4"/>
             <a:r>
-              <a:rPr lang="en-US" smtClean="0"/>
+              <a:rPr lang="en-US"/>
               <a:t>Fifth level</a:t>
             </a:r>
             <a:endParaRPr lang="en-US" dirty="0"/>
@@ -5928,7 +5931,7 @@
           <a:p>
             <a:fld id="{4AAD347D-5ACD-4C99-B74B-A9C85AD731AF}" type="datetimeFigureOut">
               <a:rPr lang="en-US" dirty="0"/>
-              <a:t>5/13/2017</a:t>
+              <a:t>5/17/2017</a:t>
             </a:fld>
             <a:endParaRPr lang="en-US" dirty="0"/>
           </a:p>
@@ -6468,10 +6471,9 @@
           <a:lstStyle/>
           <a:p>
             <a:r>
-              <a:rPr lang="en-US" dirty="0" smtClean="0"/>
+              <a:rPr lang="en-US" dirty="0"/>
               <a:t>Entity Framework 201-301</a:t>
             </a:r>
-            <a:endParaRPr lang="en-US" dirty="0"/>
           </a:p>
         </p:txBody>
       </p:sp>
@@ -6540,10 +6542,9 @@
           <a:lstStyle/>
           <a:p>
             <a:r>
-              <a:rPr lang="en-US" dirty="0" smtClean="0"/>
+              <a:rPr lang="en-US" dirty="0"/>
               <a:t>Want to see your query?	</a:t>
             </a:r>
-            <a:endParaRPr lang="en-US" dirty="0"/>
           </a:p>
         </p:txBody>
       </p:sp>
@@ -6563,38 +6564,37 @@
           <a:lstStyle/>
           <a:p>
             <a:r>
-              <a:rPr lang="en-US" dirty="0" smtClean="0"/>
+              <a:rPr lang="en-US" dirty="0"/>
               <a:t>Simply .</a:t>
             </a:r>
             <a:r>
-              <a:rPr lang="en-US" dirty="0" err="1" smtClean="0"/>
+              <a:rPr lang="en-US" dirty="0" err="1"/>
               <a:t>ToString</a:t>
             </a:r>
             <a:r>
-              <a:rPr lang="en-US" dirty="0" smtClean="0"/>
+              <a:rPr lang="en-US" dirty="0"/>
               <a:t>() your </a:t>
             </a:r>
             <a:r>
-              <a:rPr lang="en-US" dirty="0" err="1" smtClean="0"/>
+              <a:rPr lang="en-US" dirty="0" err="1"/>
               <a:t>IQueryable</a:t>
             </a:r>
             <a:r>
-              <a:rPr lang="en-US" dirty="0" smtClean="0"/>
+              <a:rPr lang="en-US" dirty="0"/>
               <a:t>()</a:t>
             </a:r>
           </a:p>
           <a:p>
             <a:r>
-              <a:rPr lang="en-US" dirty="0" smtClean="0"/>
+              <a:rPr lang="en-US" dirty="0"/>
               <a:t>Never assume the query is what you think it is</a:t>
             </a:r>
           </a:p>
           <a:p>
             <a:r>
-              <a:rPr lang="en-US" dirty="0" smtClean="0"/>
+              <a:rPr lang="en-US" dirty="0"/>
               <a:t>Also don’t assume, because you don’t understand the query, that it is incorrect or slow</a:t>
             </a:r>
-            <a:endParaRPr lang="en-US" dirty="0"/>
           </a:p>
         </p:txBody>
       </p:sp>
@@ -6644,10 +6644,9 @@
           <a:lstStyle/>
           <a:p>
             <a:r>
-              <a:rPr lang="en-US" dirty="0" smtClean="0"/>
+              <a:rPr lang="en-US" dirty="0"/>
               <a:t>Thank you</a:t>
             </a:r>
-            <a:endParaRPr lang="en-US" dirty="0"/>
           </a:p>
         </p:txBody>
       </p:sp>
@@ -6667,7 +6666,7 @@
           <a:lstStyle/>
           <a:p>
             <a:r>
-              <a:rPr lang="en-US" dirty="0" smtClean="0"/>
+              <a:rPr lang="en-US" dirty="0"/>
               <a:t>The Material used in this talk can be found at:</a:t>
             </a:r>
           </a:p>
@@ -6677,49 +6676,43 @@
               <a:rPr lang="en-US" dirty="0">
                 <a:hlinkClick r:id="rId2"/>
               </a:rPr>
-              <a:t>https://</a:t>
-            </a:r>
-            <a:r>
-              <a:rPr lang="en-US" dirty="0" smtClean="0">
-                <a:hlinkClick r:id="rId2"/>
-              </a:rPr>
-              <a:t>github.com/cterry2</a:t>
-            </a:r>
-            <a:endParaRPr lang="en-US" dirty="0" smtClean="0"/>
-          </a:p>
-          <a:p>
-            <a:r>
-              <a:rPr lang="en-US" dirty="0" smtClean="0"/>
+              <a:t>https://github.com/cterry2/EntityFrameWorkPresentation</a:t>
+            </a:r>
+            <a:endParaRPr lang="en-US" dirty="0"/>
+          </a:p>
+          <a:p>
+            <a:r>
+              <a:rPr lang="en-US" dirty="0"/>
               <a:t>My Email</a:t>
             </a:r>
           </a:p>
           <a:p>
             <a:pPr lvl="1"/>
             <a:r>
-              <a:rPr lang="en-US" dirty="0" smtClean="0">
+              <a:rPr lang="en-US" dirty="0">
                 <a:hlinkClick r:id="rId3"/>
               </a:rPr>
               <a:t>cterry2@gmail.com</a:t>
             </a:r>
-            <a:endParaRPr lang="en-US" dirty="0" smtClean="0"/>
-          </a:p>
-          <a:p>
-            <a:r>
-              <a:rPr lang="en-US" dirty="0" err="1" smtClean="0"/>
+            <a:endParaRPr lang="en-US" dirty="0"/>
+          </a:p>
+          <a:p>
+            <a:r>
+              <a:rPr lang="en-US" dirty="0" err="1"/>
               <a:t>MidwestDevChat</a:t>
             </a:r>
-            <a:endParaRPr lang="en-US" dirty="0" smtClean="0"/>
+            <a:endParaRPr lang="en-US" dirty="0"/>
           </a:p>
           <a:p>
             <a:pPr lvl="1"/>
             <a:r>
-              <a:rPr lang="en-US" dirty="0" smtClean="0"/>
+              <a:rPr lang="en-US" dirty="0"/>
               <a:t>Mach007</a:t>
             </a:r>
           </a:p>
           <a:p>
             <a:pPr lvl="1"/>
-            <a:endParaRPr lang="en-US" dirty="0" smtClean="0"/>
+            <a:endParaRPr lang="en-US" dirty="0"/>
           </a:p>
         </p:txBody>
       </p:sp>
@@ -6769,10 +6762,9 @@
           <a:lstStyle/>
           <a:p>
             <a:r>
-              <a:rPr lang="en-US" dirty="0" smtClean="0"/>
+              <a:rPr lang="en-US" dirty="0"/>
               <a:t>Who am I?</a:t>
             </a:r>
-            <a:endParaRPr lang="en-US" dirty="0"/>
           </a:p>
         </p:txBody>
       </p:sp>
@@ -6792,19 +6784,19 @@
           <a:lstStyle/>
           <a:p>
             <a:r>
-              <a:rPr lang="en-US" dirty="0" smtClean="0"/>
+              <a:rPr lang="en-US" dirty="0"/>
               <a:t>I am Me!</a:t>
             </a:r>
           </a:p>
           <a:p>
             <a:r>
-              <a:rPr lang="en-US" dirty="0" smtClean="0"/>
+              <a:rPr lang="en-US" dirty="0"/>
               <a:t>Currently, I am a developer working on helping Hospitals enhance the care they provide.</a:t>
             </a:r>
           </a:p>
           <a:p>
             <a:r>
-              <a:rPr lang="en-US" dirty="0" smtClean="0"/>
+              <a:rPr lang="en-US" dirty="0"/>
               <a:t>My focus is backend code, with some front end work.</a:t>
             </a:r>
           </a:p>
@@ -6859,10 +6851,9 @@
           <a:lstStyle/>
           <a:p>
             <a:r>
-              <a:rPr lang="en-US" dirty="0" smtClean="0"/>
+              <a:rPr lang="en-US" dirty="0"/>
               <a:t>Why not Entity Framework</a:t>
             </a:r>
-            <a:endParaRPr lang="en-US" dirty="0"/>
           </a:p>
         </p:txBody>
       </p:sp>
@@ -6884,75 +6875,70 @@
           <a:lstStyle/>
           <a:p>
             <a:r>
-              <a:rPr lang="en-US" dirty="0" smtClean="0"/>
+              <a:rPr lang="en-US" dirty="0"/>
               <a:t>If you need large amounts of data very fast without a lot of joins</a:t>
             </a:r>
           </a:p>
           <a:p>
             <a:r>
-              <a:rPr lang="en-US" dirty="0" smtClean="0"/>
+              <a:rPr lang="en-US" dirty="0"/>
               <a:t>If you are not using a typical relational database</a:t>
             </a:r>
           </a:p>
           <a:p>
             <a:r>
-              <a:rPr lang="en-US" dirty="0" smtClean="0"/>
+              <a:rPr lang="en-US" dirty="0"/>
               <a:t>If you are not familiar with how relational databases work</a:t>
             </a:r>
           </a:p>
           <a:p>
             <a:r>
-              <a:rPr lang="en-US" dirty="0" smtClean="0"/>
+              <a:rPr lang="en-US" dirty="0"/>
               <a:t>Ideas for faster data:</a:t>
             </a:r>
           </a:p>
           <a:p>
             <a:pPr lvl="1"/>
             <a:r>
-              <a:rPr lang="en-US" dirty="0" smtClean="0"/>
+              <a:rPr lang="en-US" dirty="0"/>
               <a:t>Dapper</a:t>
             </a:r>
           </a:p>
           <a:p>
             <a:pPr lvl="2"/>
             <a:r>
-              <a:rPr lang="en-US" dirty="0" smtClean="0"/>
-              <a:t>One of th</a:t>
-            </a:r>
-            <a:r>
-              <a:rPr lang="en-US" dirty="0" smtClean="0"/>
-              <a:t>e fastest data pulling engines in database retrieval</a:t>
+              <a:rPr lang="en-US" dirty="0"/>
+              <a:t>One of the fastest data pulling engines in database retrieval</a:t>
             </a:r>
           </a:p>
           <a:p>
             <a:pPr lvl="1"/>
             <a:r>
-              <a:rPr lang="en-US" dirty="0" err="1" smtClean="0"/>
+              <a:rPr lang="en-US" dirty="0" err="1"/>
               <a:t>OrmLite</a:t>
             </a:r>
-            <a:endParaRPr lang="en-US" dirty="0" smtClean="0"/>
+            <a:endParaRPr lang="en-US" dirty="0"/>
           </a:p>
           <a:p>
             <a:pPr lvl="2"/>
             <a:r>
-              <a:rPr lang="en-US" dirty="0" smtClean="0"/>
+              <a:rPr lang="en-US" dirty="0"/>
               <a:t>A bit slower than Dapper but  gbfgfb:”Rfli97iiufallows for Joining without a lot of speed loss</a:t>
             </a:r>
           </a:p>
           <a:p>
             <a:pPr lvl="1"/>
             <a:r>
-              <a:rPr lang="en-US" dirty="0" smtClean="0"/>
+              <a:rPr lang="en-US" dirty="0"/>
               <a:t>NoSQL</a:t>
             </a:r>
           </a:p>
           <a:p>
             <a:pPr lvl="2"/>
             <a:r>
-              <a:rPr lang="en-US" dirty="0" smtClean="0"/>
+              <a:rPr lang="en-US" dirty="0"/>
               <a:t>Mongo, Elastic Search</a:t>
             </a:r>
-            <a:endParaRPr lang="en-US" dirty="0" smtClean="0"/>
           </a:p>
           <a:p>
             <a:pPr lvl="2"/>
@@ -7006,10 +6992,9 @@
           <a:lstStyle/>
           <a:p>
             <a:r>
-              <a:rPr lang="en-US" dirty="0" smtClean="0"/>
+              <a:rPr lang="en-US" dirty="0"/>
               <a:t>Do you still write queries like this?</a:t>
             </a:r>
-            <a:endParaRPr lang="en-US" dirty="0"/>
           </a:p>
         </p:txBody>
       </p:sp>
@@ -7034,22 +7019,21 @@
           <a:lstStyle/>
           <a:p>
             <a:r>
-              <a:rPr lang="en-US" dirty="0" smtClean="0"/>
+              <a:rPr lang="en-US" dirty="0"/>
               <a:t>Please stop!</a:t>
             </a:r>
           </a:p>
           <a:p>
             <a:r>
-              <a:rPr lang="en-US" dirty="0" smtClean="0"/>
+              <a:rPr lang="en-US" dirty="0"/>
               <a:t>You’re hurting those around you.</a:t>
             </a:r>
           </a:p>
           <a:p>
             <a:r>
-              <a:rPr lang="en-US" dirty="0" smtClean="0"/>
+              <a:rPr lang="en-US" dirty="0"/>
               <a:t>Seriously!</a:t>
             </a:r>
-            <a:endParaRPr lang="en-US" dirty="0"/>
           </a:p>
         </p:txBody>
       </p:sp>
@@ -7123,10 +7107,9 @@
           <a:lstStyle/>
           <a:p>
             <a:r>
-              <a:rPr lang="en-US" dirty="0" smtClean="0"/>
+              <a:rPr lang="en-US" dirty="0"/>
               <a:t>LINQ IS NOT SQL!</a:t>
             </a:r>
-            <a:endParaRPr lang="en-US" dirty="0"/>
           </a:p>
         </p:txBody>
       </p:sp>
@@ -7146,49 +7129,48 @@
           <a:lstStyle/>
           <a:p>
             <a:r>
-              <a:rPr lang="en-US" dirty="0" smtClean="0"/>
+              <a:rPr lang="en-US" dirty="0"/>
               <a:t>Thinking of LINQ as if it is SQL will hurt your ability to pull data quickly</a:t>
             </a:r>
           </a:p>
           <a:p>
             <a:r>
-              <a:rPr lang="en-US" dirty="0" smtClean="0"/>
+              <a:rPr lang="en-US" dirty="0"/>
               <a:t>Often the best design of a LINQ query is drastically different from how an SQL query is constructed.</a:t>
             </a:r>
           </a:p>
           <a:p>
             <a:r>
-              <a:rPr lang="en-US" dirty="0" smtClean="0"/>
+              <a:rPr lang="en-US" dirty="0"/>
               <a:t>Think of your LINQ queries as if there was no database</a:t>
             </a:r>
           </a:p>
           <a:p>
             <a:r>
-              <a:rPr lang="en-US" dirty="0" smtClean="0"/>
+              <a:rPr lang="en-US" dirty="0"/>
               <a:t>You write code, so write it like code</a:t>
             </a:r>
           </a:p>
           <a:p>
             <a:pPr lvl="1"/>
             <a:r>
-              <a:rPr lang="en-US" dirty="0" smtClean="0"/>
+              <a:rPr lang="en-US" dirty="0"/>
               <a:t>Use variables</a:t>
             </a:r>
           </a:p>
           <a:p>
             <a:pPr lvl="1"/>
             <a:r>
-              <a:rPr lang="en-US" dirty="0" smtClean="0"/>
+              <a:rPr lang="en-US" dirty="0"/>
               <a:t>Build on other variables</a:t>
             </a:r>
           </a:p>
           <a:p>
             <a:pPr lvl="1"/>
             <a:r>
-              <a:rPr lang="en-US" dirty="0" smtClean="0"/>
+              <a:rPr lang="en-US" dirty="0"/>
               <a:t>Pass unfinished queries around</a:t>
             </a:r>
-            <a:endParaRPr lang="en-US" dirty="0"/>
           </a:p>
         </p:txBody>
       </p:sp>
@@ -7238,10 +7220,9 @@
           <a:lstStyle/>
           <a:p>
             <a:r>
-              <a:rPr lang="en-US" dirty="0" smtClean="0"/>
+              <a:rPr lang="en-US" dirty="0"/>
               <a:t>Navigation Properties</a:t>
             </a:r>
-            <a:endParaRPr lang="en-US" dirty="0"/>
           </a:p>
         </p:txBody>
       </p:sp>
@@ -7261,33 +7242,33 @@
           <a:lstStyle/>
           <a:p>
             <a:r>
-              <a:rPr lang="en-US" dirty="0" smtClean="0"/>
+              <a:rPr lang="en-US" dirty="0"/>
               <a:t>Think of them as the manifestation of foreign keys in your code</a:t>
             </a:r>
           </a:p>
           <a:p>
             <a:pPr lvl="1"/>
             <a:r>
-              <a:rPr lang="en-US" dirty="0" smtClean="0"/>
+              <a:rPr lang="en-US" dirty="0"/>
               <a:t>If the database has a foreign key, your object needs to have a navigation property</a:t>
             </a:r>
           </a:p>
           <a:p>
             <a:r>
-              <a:rPr lang="en-US" dirty="0" smtClean="0"/>
+              <a:rPr lang="en-US" dirty="0"/>
               <a:t>Foreign keys in the database are not required to use a navigation property but its best that they do exist.</a:t>
             </a:r>
           </a:p>
           <a:p>
             <a:r>
-              <a:rPr lang="en-US" dirty="0" smtClean="0"/>
+              <a:rPr lang="en-US" dirty="0"/>
               <a:t>Determining the nature of the relationship can be difficult</a:t>
             </a:r>
           </a:p>
           <a:p>
             <a:pPr lvl="1"/>
             <a:r>
-              <a:rPr lang="en-US" dirty="0" smtClean="0"/>
+              <a:rPr lang="en-US" dirty="0"/>
               <a:t>Entity Framework allows for One to One, One to Many, and Many to Many relationships</a:t>
             </a:r>
           </a:p>
@@ -7343,17 +7324,16 @@
           <a:lstStyle/>
           <a:p>
             <a:r>
-              <a:rPr lang="en-US" dirty="0" smtClean="0"/>
+              <a:rPr lang="en-US" dirty="0"/>
               <a:t>Views </a:t>
             </a:r>
             <a:br>
-              <a:rPr lang="en-US" dirty="0" smtClean="0"/>
+              <a:rPr lang="en-US" dirty="0"/>
             </a:br>
             <a:r>
-              <a:rPr lang="en-US" sz="2000" dirty="0" smtClean="0"/>
+              <a:rPr lang="en-US" sz="2000" dirty="0"/>
               <a:t>(Stored Procedures are fine too if you hate everyone on your team)</a:t>
             </a:r>
-            <a:endParaRPr lang="en-US" sz="2000" dirty="0"/>
           </a:p>
         </p:txBody>
       </p:sp>
@@ -7378,36 +7358,36 @@
           <a:lstStyle/>
           <a:p>
             <a:r>
-              <a:rPr lang="en-US" dirty="0" smtClean="0"/>
+              <a:rPr lang="en-US" dirty="0"/>
               <a:t>If you have complex queries which simply will not perform well no matter how you tweak them, try using a View</a:t>
             </a:r>
           </a:p>
           <a:p>
             <a:r>
-              <a:rPr lang="en-US" dirty="0" smtClean="0"/>
+              <a:rPr lang="en-US" dirty="0"/>
               <a:t>Views, as far as Entity Framework considers, are exactly the same as a standard table</a:t>
             </a:r>
           </a:p>
           <a:p>
             <a:r>
-              <a:rPr lang="en-US" dirty="0" smtClean="0"/>
+              <a:rPr lang="en-US" dirty="0"/>
               <a:t>Stored Procedures tend to hide logic in the database layer and require more code and SQL than they are worth</a:t>
             </a:r>
           </a:p>
           <a:p>
             <a:r>
-              <a:rPr lang="en-US" dirty="0" smtClean="0"/>
+              <a:rPr lang="en-US" dirty="0"/>
               <a:t>Views can also take advantage of Navigation Properties</a:t>
             </a:r>
           </a:p>
           <a:p>
             <a:r>
-              <a:rPr lang="en-US" dirty="0" smtClean="0"/>
+              <a:rPr lang="en-US" dirty="0"/>
               <a:t>Views can not inherit from a base entity that already exists in the database</a:t>
             </a:r>
           </a:p>
           <a:p>
-            <a:endParaRPr lang="en-US" dirty="0" smtClean="0"/>
+            <a:endParaRPr lang="en-US" dirty="0"/>
           </a:p>
           <a:p>
             <a:endParaRPr lang="en-US" dirty="0"/>
@@ -7460,10 +7440,9 @@
           <a:lstStyle/>
           <a:p>
             <a:r>
-              <a:rPr lang="en-US" dirty="0" smtClean="0"/>
+              <a:rPr lang="en-US" dirty="0"/>
               <a:t>Use Lazy Loading</a:t>
             </a:r>
-            <a:endParaRPr lang="en-US" dirty="0"/>
           </a:p>
         </p:txBody>
       </p:sp>
@@ -7483,32 +7462,32 @@
           <a:lstStyle/>
           <a:p>
             <a:r>
-              <a:rPr lang="en-US" dirty="0" smtClean="0"/>
+              <a:rPr lang="en-US" dirty="0"/>
               <a:t>Some will say this dramatically slows down Entity Framework</a:t>
             </a:r>
           </a:p>
           <a:p>
             <a:r>
-              <a:rPr lang="en-US" dirty="0" smtClean="0"/>
+              <a:rPr lang="en-US" dirty="0"/>
               <a:t>And it will</a:t>
             </a:r>
           </a:p>
           <a:p>
             <a:r>
-              <a:rPr lang="en-US" dirty="0" smtClean="0"/>
+              <a:rPr lang="en-US" dirty="0"/>
               <a:t>If you do not refine your queries before they are executed</a:t>
             </a:r>
           </a:p>
           <a:p>
             <a:r>
-              <a:rPr lang="en-US" dirty="0" smtClean="0"/>
+              <a:rPr lang="en-US" dirty="0"/>
               <a:t>This removes the need for .Include()</a:t>
             </a:r>
           </a:p>
           <a:p>
             <a:pPr lvl="1"/>
             <a:r>
-              <a:rPr lang="en-US" dirty="0" smtClean="0"/>
+              <a:rPr lang="en-US" dirty="0"/>
               <a:t>Everything you hate about lazy loading comes back when you use .Include()</a:t>
             </a:r>
           </a:p>
@@ -7563,11 +7542,11 @@
           <a:lstStyle/>
           <a:p>
             <a:r>
-              <a:rPr lang="en-US" dirty="0" smtClean="0"/>
+              <a:rPr lang="en-US" dirty="0"/>
               <a:t>Tracking or </a:t>
             </a:r>
             <a:r>
-              <a:rPr lang="en-US" dirty="0" err="1" smtClean="0"/>
+              <a:rPr lang="en-US" dirty="0" err="1"/>
               <a:t>NoTracking</a:t>
             </a:r>
             <a:endParaRPr lang="en-US" dirty="0"/>
@@ -7590,35 +7569,35 @@
           <a:lstStyle/>
           <a:p>
             <a:r>
-              <a:rPr lang="en-US" dirty="0" smtClean="0"/>
+              <a:rPr lang="en-US" dirty="0"/>
               <a:t>Entity Framework gives you the opportunity to specify whether the database should track the objects returned.</a:t>
             </a:r>
           </a:p>
           <a:p>
             <a:r>
-              <a:rPr lang="en-US" dirty="0" smtClean="0"/>
+              <a:rPr lang="en-US" dirty="0"/>
               <a:t>Use .</a:t>
             </a:r>
             <a:r>
-              <a:rPr lang="en-US" dirty="0" err="1" smtClean="0"/>
+              <a:rPr lang="en-US" dirty="0" err="1"/>
               <a:t>AsNoTracking</a:t>
             </a:r>
             <a:r>
-              <a:rPr lang="en-US" dirty="0" smtClean="0"/>
+              <a:rPr lang="en-US" dirty="0"/>
               <a:t>() if you are simply pulling data back and never going to update it.</a:t>
             </a:r>
           </a:p>
           <a:p>
             <a:pPr lvl="1"/>
             <a:r>
-              <a:rPr lang="en-US" dirty="0" smtClean="0"/>
+              <a:rPr lang="en-US" dirty="0"/>
               <a:t>This might improve performance</a:t>
             </a:r>
           </a:p>
           <a:p>
             <a:pPr lvl="1"/>
             <a:r>
-              <a:rPr lang="en-US" dirty="0" smtClean="0"/>
+              <a:rPr lang="en-US" dirty="0"/>
               <a:t>Reduces overhead in the Entity Framework code</a:t>
             </a:r>
           </a:p>
